--- a/221012 - BASTA! Herbst 2022 @Mainz/Session 1/Scalable Azure WebJobs deployments with Azure DevOps and hierarchical YAML.pptx
+++ b/221012 - BASTA! Herbst 2022 @Mainz/Session 1/Scalable Azure WebJobs deployments with Azure DevOps and hierarchical YAML.pptx
@@ -5,10 +5,10 @@
     <p:sldMasterId id="2147484477" r:id="rId4"/>
   </p:sldMasterIdLst>
   <p:notesMasterIdLst>
-    <p:notesMasterId r:id="rId17"/>
+    <p:notesMasterId r:id="rId15"/>
   </p:notesMasterIdLst>
   <p:handoutMasterIdLst>
-    <p:handoutMasterId r:id="rId18"/>
+    <p:handoutMasterId r:id="rId16"/>
   </p:handoutMasterIdLst>
   <p:sldIdLst>
     <p:sldId id="495" r:id="rId5"/>
@@ -16,13 +16,11 @@
     <p:sldId id="259" r:id="rId7"/>
     <p:sldId id="260" r:id="rId8"/>
     <p:sldId id="261" r:id="rId9"/>
-    <p:sldId id="262" r:id="rId10"/>
-    <p:sldId id="263" r:id="rId11"/>
-    <p:sldId id="264" r:id="rId12"/>
-    <p:sldId id="265" r:id="rId13"/>
-    <p:sldId id="266" r:id="rId14"/>
-    <p:sldId id="498" r:id="rId15"/>
-    <p:sldId id="499" r:id="rId16"/>
+    <p:sldId id="264" r:id="rId10"/>
+    <p:sldId id="265" r:id="rId11"/>
+    <p:sldId id="266" r:id="rId12"/>
+    <p:sldId id="498" r:id="rId13"/>
+    <p:sldId id="499" r:id="rId14"/>
   </p:sldIdLst>
   <p:sldSz cx="12192000" cy="6858000"/>
   <p:notesSz cx="6858000" cy="9144000"/>
@@ -131,8 +129,6 @@
             <p14:sldId id="259"/>
             <p14:sldId id="260"/>
             <p14:sldId id="261"/>
-            <p14:sldId id="262"/>
-            <p14:sldId id="263"/>
             <p14:sldId id="264"/>
             <p14:sldId id="265"/>
             <p14:sldId id="266"/>
@@ -245,7 +241,7 @@
           <a:p>
             <a:fld id="{41F5DDD7-29E8-4F85-A117-E0D0E07135BD}" type="datetimeFigureOut">
               <a:rPr lang="en-US" smtClean="0"/>
-              <a:t>10/10/2022</a:t>
+              <a:t>10/12/2022</a:t>
             </a:fld>
             <a:endParaRPr lang="en-US"/>
           </a:p>
@@ -411,7 +407,7 @@
           <a:p>
             <a:fld id="{2434B426-DD78-45C6-AC2B-6AECC245F0A6}" type="datetimeFigureOut">
               <a:rPr lang="en-US" smtClean="0"/>
-              <a:t>10/10/2022</a:t>
+              <a:t>10/11/2022</a:t>
             </a:fld>
             <a:endParaRPr lang="en-US"/>
           </a:p>
@@ -935,7 +931,7 @@
                 <a:tabLst/>
                 <a:defRPr/>
               </a:pPr>
-              <a:t>12</a:t>
+              <a:t>10</a:t>
             </a:fld>
             <a:endParaRPr kumimoji="0" lang="en-US" sz="1200" b="0" i="0" u="none" strike="noStrike" kern="1200" cap="none" spc="0" normalizeH="0" baseline="0" noProof="0">
               <a:ln>
@@ -2253,7 +2249,7 @@
           <a:p>
             <a:fld id="{FFF91182-540A-4FB2-AF43-EF69F0F222BB}" type="datetimeFigureOut">
               <a:rPr lang="en-US" smtClean="0"/>
-              <a:t>10/10/2022</a:t>
+              <a:t>10/11/2022</a:t>
             </a:fld>
             <a:endParaRPr lang="en-US"/>
           </a:p>
@@ -3135,182 +3131,6 @@
           <a:chExt cx="0" cy="0"/>
         </a:xfrm>
       </p:grpSpPr>
-      <p:sp>
-        <p:nvSpPr>
-          <p:cNvPr id="2" name="Title 1">
-            <a:extLst>
-              <a:ext uri="{FF2B5EF4-FFF2-40B4-BE49-F238E27FC236}">
-                <a16:creationId xmlns:a16="http://schemas.microsoft.com/office/drawing/2014/main" id="{7FA799E4-F07D-4C70-95BC-CC469660A887}"/>
-              </a:ext>
-            </a:extLst>
-          </p:cNvPr>
-          <p:cNvSpPr>
-            <a:spLocks noGrp="1"/>
-          </p:cNvSpPr>
-          <p:nvPr>
-            <p:ph type="title"/>
-          </p:nvPr>
-        </p:nvSpPr>
-        <p:spPr/>
-        <p:txBody>
-          <a:bodyPr/>
-          <a:lstStyle/>
-          <a:p>
-            <a:r>
-              <a:rPr lang="it-IT" dirty="0"/>
-              <a:t>DEMO</a:t>
-            </a:r>
-            <a:endParaRPr lang="en-US" dirty="0"/>
-          </a:p>
-        </p:txBody>
-      </p:sp>
-      <p:sp>
-        <p:nvSpPr>
-          <p:cNvPr id="3" name="Text Placeholder 2">
-            <a:extLst>
-              <a:ext uri="{FF2B5EF4-FFF2-40B4-BE49-F238E27FC236}">
-                <a16:creationId xmlns:a16="http://schemas.microsoft.com/office/drawing/2014/main" id="{AF227C21-B661-478F-9E3B-E3F3377E2042}"/>
-              </a:ext>
-            </a:extLst>
-          </p:cNvPr>
-          <p:cNvSpPr>
-            <a:spLocks noGrp="1"/>
-          </p:cNvSpPr>
-          <p:nvPr>
-            <p:ph type="body" idx="1"/>
-          </p:nvPr>
-        </p:nvSpPr>
-        <p:spPr/>
-        <p:txBody>
-          <a:bodyPr/>
-          <a:lstStyle/>
-          <a:p>
-            <a:r>
-              <a:rPr lang="it-IT" dirty="0"/>
-              <a:t>YAML-ize again, </a:t>
-            </a:r>
-            <a:r>
-              <a:rPr lang="it-IT"/>
-              <a:t>but better</a:t>
-            </a:r>
-            <a:endParaRPr lang="en-US" dirty="0"/>
-          </a:p>
-        </p:txBody>
-      </p:sp>
-    </p:spTree>
-    <p:extLst>
-      <p:ext uri="{BB962C8B-B14F-4D97-AF65-F5344CB8AC3E}">
-        <p14:creationId xmlns:p14="http://schemas.microsoft.com/office/powerpoint/2010/main" val="2120756800"/>
-      </p:ext>
-    </p:extLst>
-  </p:cSld>
-  <p:clrMapOvr>
-    <a:masterClrMapping/>
-  </p:clrMapOvr>
-</p:sld>
-</file>
-
-<file path=ppt/slides/slide11.xml><?xml version="1.0" encoding="utf-8"?>
-<p:sld xmlns:a="http://schemas.openxmlformats.org/drawingml/2006/main" xmlns:r="http://schemas.openxmlformats.org/officeDocument/2006/relationships" xmlns:p="http://schemas.openxmlformats.org/presentationml/2006/main">
-  <p:cSld>
-    <p:spTree>
-      <p:nvGrpSpPr>
-        <p:cNvPr id="1" name=""/>
-        <p:cNvGrpSpPr/>
-        <p:nvPr/>
-      </p:nvGrpSpPr>
-      <p:grpSpPr>
-        <a:xfrm>
-          <a:off x="0" y="0"/>
-          <a:ext cx="0" cy="0"/>
-          <a:chOff x="0" y="0"/>
-          <a:chExt cx="0" cy="0"/>
-        </a:xfrm>
-      </p:grpSpPr>
-      <p:sp>
-        <p:nvSpPr>
-          <p:cNvPr id="2" name="Title 1">
-            <a:extLst>
-              <a:ext uri="{FF2B5EF4-FFF2-40B4-BE49-F238E27FC236}">
-                <a16:creationId xmlns:a16="http://schemas.microsoft.com/office/drawing/2014/main" id="{7FA799E4-F07D-4C70-95BC-CC469660A887}"/>
-              </a:ext>
-            </a:extLst>
-          </p:cNvPr>
-          <p:cNvSpPr>
-            <a:spLocks noGrp="1"/>
-          </p:cNvSpPr>
-          <p:nvPr>
-            <p:ph type="title"/>
-          </p:nvPr>
-        </p:nvSpPr>
-        <p:spPr/>
-        <p:txBody>
-          <a:bodyPr/>
-          <a:lstStyle/>
-          <a:p>
-            <a:r>
-              <a:rPr lang="it-IT" dirty="0"/>
-              <a:t>What’s next?</a:t>
-            </a:r>
-            <a:endParaRPr lang="en-US" dirty="0"/>
-          </a:p>
-        </p:txBody>
-      </p:sp>
-      <p:sp>
-        <p:nvSpPr>
-          <p:cNvPr id="3" name="Text Placeholder 2">
-            <a:extLst>
-              <a:ext uri="{FF2B5EF4-FFF2-40B4-BE49-F238E27FC236}">
-                <a16:creationId xmlns:a16="http://schemas.microsoft.com/office/drawing/2014/main" id="{AF227C21-B661-478F-9E3B-E3F3377E2042}"/>
-              </a:ext>
-            </a:extLst>
-          </p:cNvPr>
-          <p:cNvSpPr>
-            <a:spLocks noGrp="1"/>
-          </p:cNvSpPr>
-          <p:nvPr>
-            <p:ph type="body" idx="1"/>
-          </p:nvPr>
-        </p:nvSpPr>
-        <p:spPr/>
-        <p:txBody>
-          <a:bodyPr/>
-          <a:lstStyle/>
-          <a:p>
-            <a:endParaRPr lang="en-US" dirty="0"/>
-          </a:p>
-        </p:txBody>
-      </p:sp>
-    </p:spTree>
-    <p:extLst>
-      <p:ext uri="{BB962C8B-B14F-4D97-AF65-F5344CB8AC3E}">
-        <p14:creationId xmlns:p14="http://schemas.microsoft.com/office/powerpoint/2010/main" val="998138674"/>
-      </p:ext>
-    </p:extLst>
-  </p:cSld>
-  <p:clrMapOvr>
-    <a:masterClrMapping/>
-  </p:clrMapOvr>
-</p:sld>
-</file>
-
-<file path=ppt/slides/slide12.xml><?xml version="1.0" encoding="utf-8"?>
-<p:sld xmlns:a="http://schemas.openxmlformats.org/drawingml/2006/main" xmlns:r="http://schemas.openxmlformats.org/officeDocument/2006/relationships" xmlns:p="http://schemas.openxmlformats.org/presentationml/2006/main">
-  <p:cSld>
-    <p:spTree>
-      <p:nvGrpSpPr>
-        <p:cNvPr id="1" name=""/>
-        <p:cNvGrpSpPr/>
-        <p:nvPr/>
-      </p:nvGrpSpPr>
-      <p:grpSpPr>
-        <a:xfrm>
-          <a:off x="0" y="0"/>
-          <a:ext cx="0" cy="0"/>
-          <a:chOff x="0" y="0"/>
-          <a:chExt cx="0" cy="0"/>
-        </a:xfrm>
-      </p:grpSpPr>
       <p:pic>
         <p:nvPicPr>
           <p:cNvPr id="2" name="Picture 1" descr="Graphical user interface&#10;&#10;Description automatically generated">
@@ -3832,7 +3652,7 @@
           <p:cNvPr id="2" name="Title 1">
             <a:extLst>
               <a:ext uri="{FF2B5EF4-FFF2-40B4-BE49-F238E27FC236}">
-                <a16:creationId xmlns:a16="http://schemas.microsoft.com/office/drawing/2014/main" id="{68ECCC5A-6367-4D95-B8D3-C8524470FA29}"/>
+                <a16:creationId xmlns:a16="http://schemas.microsoft.com/office/drawing/2014/main" id="{015F458A-1201-4F38-A0F2-2B9547F7E59A}"/>
               </a:ext>
             </a:extLst>
           </p:cNvPr>
@@ -3861,7 +3681,7 @@
           <p:cNvPr id="3" name="Text Placeholder 2">
             <a:extLst>
               <a:ext uri="{FF2B5EF4-FFF2-40B4-BE49-F238E27FC236}">
-                <a16:creationId xmlns:a16="http://schemas.microsoft.com/office/drawing/2014/main" id="{74C4B7CB-38B4-4C15-B802-1566FE071408}"/>
+                <a16:creationId xmlns:a16="http://schemas.microsoft.com/office/drawing/2014/main" id="{A515ADA1-C9B7-41B5-A057-4E4034F45742}"/>
               </a:ext>
             </a:extLst>
           </p:cNvPr>
@@ -3879,7 +3699,7 @@
           <a:p>
             <a:r>
               <a:rPr lang="it-IT" dirty="0"/>
-              <a:t>Spin that DevOps pipeline</a:t>
+              <a:t>YAML-ize that pipeline, and publish a new one</a:t>
             </a:r>
             <a:endParaRPr lang="en-US" dirty="0"/>
           </a:p>
@@ -3888,7 +3708,7 @@
     </p:spTree>
     <p:extLst>
       <p:ext uri="{BB962C8B-B14F-4D97-AF65-F5344CB8AC3E}">
-        <p14:creationId xmlns:p14="http://schemas.microsoft.com/office/powerpoint/2010/main" val="2786195003"/>
+        <p14:creationId xmlns:p14="http://schemas.microsoft.com/office/powerpoint/2010/main" val="3562716010"/>
       </p:ext>
     </p:extLst>
   </p:cSld>
@@ -3920,7 +3740,7 @@
           <p:cNvPr id="2" name="Title 1">
             <a:extLst>
               <a:ext uri="{FF2B5EF4-FFF2-40B4-BE49-F238E27FC236}">
-                <a16:creationId xmlns:a16="http://schemas.microsoft.com/office/drawing/2014/main" id="{58EFA49B-3781-48FD-9E50-162CAFFEF05A}"/>
+                <a16:creationId xmlns:a16="http://schemas.microsoft.com/office/drawing/2014/main" id="{B723F8FA-BB27-4941-86EE-818C24A0E305}"/>
               </a:ext>
             </a:extLst>
           </p:cNvPr>
@@ -3938,7 +3758,7 @@
           <a:p>
             <a:r>
               <a:rPr lang="it-IT" dirty="0"/>
-              <a:t>Inside the pipeline</a:t>
+              <a:t>Hierarchical YAML</a:t>
             </a:r>
             <a:endParaRPr lang="en-US" dirty="0"/>
           </a:p>
@@ -3949,7 +3769,7 @@
           <p:cNvPr id="3" name="Text Placeholder 2">
             <a:extLst>
               <a:ext uri="{FF2B5EF4-FFF2-40B4-BE49-F238E27FC236}">
-                <a16:creationId xmlns:a16="http://schemas.microsoft.com/office/drawing/2014/main" id="{F4BE4035-A49D-445E-9BFB-DA04F7414A02}"/>
+                <a16:creationId xmlns:a16="http://schemas.microsoft.com/office/drawing/2014/main" id="{854B4A25-AA12-49F5-9AC9-41443D647B3B}"/>
               </a:ext>
             </a:extLst>
           </p:cNvPr>
@@ -3967,7 +3787,7 @@
           <a:p>
             <a:r>
               <a:rPr lang="it-IT" dirty="0"/>
-              <a:t>Why whould we abandon the GUI in favor of the YAML</a:t>
+              <a:t>How to save 90% of repeated YAML code (and a lot of time)</a:t>
             </a:r>
             <a:endParaRPr lang="en-US" dirty="0"/>
           </a:p>
@@ -3976,7 +3796,7 @@
     </p:spTree>
     <p:extLst>
       <p:ext uri="{BB962C8B-B14F-4D97-AF65-F5344CB8AC3E}">
-        <p14:creationId xmlns:p14="http://schemas.microsoft.com/office/powerpoint/2010/main" val="3939860140"/>
+        <p14:creationId xmlns:p14="http://schemas.microsoft.com/office/powerpoint/2010/main" val="1558567295"/>
       </p:ext>
     </p:extLst>
   </p:cSld>
@@ -4008,7 +3828,7 @@
           <p:cNvPr id="2" name="Title 1">
             <a:extLst>
               <a:ext uri="{FF2B5EF4-FFF2-40B4-BE49-F238E27FC236}">
-                <a16:creationId xmlns:a16="http://schemas.microsoft.com/office/drawing/2014/main" id="{015F458A-1201-4F38-A0F2-2B9547F7E59A}"/>
+                <a16:creationId xmlns:a16="http://schemas.microsoft.com/office/drawing/2014/main" id="{7FA799E4-F07D-4C70-95BC-CC469660A887}"/>
               </a:ext>
             </a:extLst>
           </p:cNvPr>
@@ -4037,7 +3857,7 @@
           <p:cNvPr id="3" name="Text Placeholder 2">
             <a:extLst>
               <a:ext uri="{FF2B5EF4-FFF2-40B4-BE49-F238E27FC236}">
-                <a16:creationId xmlns:a16="http://schemas.microsoft.com/office/drawing/2014/main" id="{A515ADA1-C9B7-41B5-A057-4E4034F45742}"/>
+                <a16:creationId xmlns:a16="http://schemas.microsoft.com/office/drawing/2014/main" id="{AF227C21-B661-478F-9E3B-E3F3377E2042}"/>
               </a:ext>
             </a:extLst>
           </p:cNvPr>
@@ -4055,7 +3875,11 @@
           <a:p>
             <a:r>
               <a:rPr lang="it-IT" dirty="0"/>
-              <a:t>YAML-ize that pipeline, and publish a new one</a:t>
+              <a:t>YAML-ize again, </a:t>
+            </a:r>
+            <a:r>
+              <a:rPr lang="it-IT"/>
+              <a:t>but better</a:t>
             </a:r>
             <a:endParaRPr lang="en-US" dirty="0"/>
           </a:p>
@@ -4064,7 +3888,7 @@
     </p:spTree>
     <p:extLst>
       <p:ext uri="{BB962C8B-B14F-4D97-AF65-F5344CB8AC3E}">
-        <p14:creationId xmlns:p14="http://schemas.microsoft.com/office/powerpoint/2010/main" val="3562716010"/>
+        <p14:creationId xmlns:p14="http://schemas.microsoft.com/office/powerpoint/2010/main" val="2120756800"/>
       </p:ext>
     </p:extLst>
   </p:cSld>
@@ -4096,7 +3920,7 @@
           <p:cNvPr id="2" name="Title 1">
             <a:extLst>
               <a:ext uri="{FF2B5EF4-FFF2-40B4-BE49-F238E27FC236}">
-                <a16:creationId xmlns:a16="http://schemas.microsoft.com/office/drawing/2014/main" id="{B723F8FA-BB27-4941-86EE-818C24A0E305}"/>
+                <a16:creationId xmlns:a16="http://schemas.microsoft.com/office/drawing/2014/main" id="{7FA799E4-F07D-4C70-95BC-CC469660A887}"/>
               </a:ext>
             </a:extLst>
           </p:cNvPr>
@@ -4113,8 +3937,8 @@
           <a:lstStyle/>
           <a:p>
             <a:r>
-              <a:rPr lang="it-IT" dirty="0"/>
-              <a:t>Hierarchical YAML</a:t>
+              <a:rPr lang="it-IT"/>
+              <a:t>Takeaways</a:t>
             </a:r>
             <a:endParaRPr lang="en-US" dirty="0"/>
           </a:p>
@@ -4125,7 +3949,7 @@
           <p:cNvPr id="3" name="Text Placeholder 2">
             <a:extLst>
               <a:ext uri="{FF2B5EF4-FFF2-40B4-BE49-F238E27FC236}">
-                <a16:creationId xmlns:a16="http://schemas.microsoft.com/office/drawing/2014/main" id="{854B4A25-AA12-49F5-9AC9-41443D647B3B}"/>
+                <a16:creationId xmlns:a16="http://schemas.microsoft.com/office/drawing/2014/main" id="{AF227C21-B661-478F-9E3B-E3F3377E2042}"/>
               </a:ext>
             </a:extLst>
           </p:cNvPr>
@@ -4141,10 +3965,6 @@
           <a:bodyPr/>
           <a:lstStyle/>
           <a:p>
-            <a:r>
-              <a:rPr lang="it-IT" dirty="0"/>
-              <a:t>How to save 90% of repeated YAML code (and a lot of time)</a:t>
-            </a:r>
             <a:endParaRPr lang="en-US" dirty="0"/>
           </a:p>
         </p:txBody>
@@ -4152,7 +3972,7 @@
     </p:spTree>
     <p:extLst>
       <p:ext uri="{BB962C8B-B14F-4D97-AF65-F5344CB8AC3E}">
-        <p14:creationId xmlns:p14="http://schemas.microsoft.com/office/powerpoint/2010/main" val="1558567295"/>
+        <p14:creationId xmlns:p14="http://schemas.microsoft.com/office/powerpoint/2010/main" val="998138674"/>
       </p:ext>
     </p:extLst>
   </p:cSld>
@@ -4960,6 +4780,15 @@
 </file>
 
 <file path=customXml/item1.xml><?xml version="1.0" encoding="utf-8"?>
+<?mso-contentType ?>
+<FormTemplates xmlns="http://schemas.microsoft.com/sharepoint/v3/contenttype/forms">
+  <Display>DocumentLibraryForm</Display>
+  <Edit>DocumentLibraryForm</Edit>
+  <New>DocumentLibraryForm</New>
+</FormTemplates>
+</file>
+
+<file path=customXml/item2.xml><?xml version="1.0" encoding="utf-8"?>
 <ct:contentTypeSchema xmlns:ct="http://schemas.microsoft.com/office/2006/metadata/contentType" xmlns:ma="http://schemas.microsoft.com/office/2006/metadata/properties/metaAttributes" ct:_="" ma:_="" ma:contentTypeName="Document" ma:contentTypeID="0x010100570D7CADCFE5E348ACFAE3832C303840" ma:contentTypeVersion="2" ma:contentTypeDescription="Create a new document." ma:contentTypeScope="" ma:versionID="633b0979296f1ed1c69f243239c6b35f">
   <xsd:schema xmlns:xsd="http://www.w3.org/2001/XMLSchema" xmlns:xs="http://www.w3.org/2001/XMLSchema" xmlns:p="http://schemas.microsoft.com/office/2006/metadata/properties" xmlns:ns2="00e0c6ab-2e1e-446e-8cd4-dc4d1cc239d2" targetNamespace="http://schemas.microsoft.com/office/2006/metadata/properties" ma:root="true" ma:fieldsID="2fb82ef2dbc616c6e96786f58783f5ba" ns2:_="">
     <xsd:import namespace="00e0c6ab-2e1e-446e-8cd4-dc4d1cc239d2"/>
@@ -5091,15 +4920,6 @@
 </ct:contentTypeSchema>
 </file>
 
-<file path=customXml/item2.xml><?xml version="1.0" encoding="utf-8"?>
-<?mso-contentType ?>
-<FormTemplates xmlns="http://schemas.microsoft.com/sharepoint/v3/contenttype/forms">
-  <Display>DocumentLibraryForm</Display>
-  <Edit>DocumentLibraryForm</Edit>
-  <New>DocumentLibraryForm</New>
-</FormTemplates>
-</file>
-
 <file path=customXml/item3.xml><?xml version="1.0" encoding="utf-8"?>
 <p:properties xmlns:p="http://schemas.microsoft.com/office/2006/metadata/properties" xmlns:xsi="http://www.w3.org/2001/XMLSchema-instance" xmlns:pc="http://schemas.microsoft.com/office/infopath/2007/PartnerControls">
   <documentManagement/>
@@ -5107,6 +4927,14 @@
 </file>
 
 <file path=customXml/itemProps1.xml><?xml version="1.0" encoding="utf-8"?>
+<ds:datastoreItem xmlns:ds="http://schemas.openxmlformats.org/officeDocument/2006/customXml" ds:itemID="{285C8949-12A8-4D3A-8B80-D82110DA804F}">
+  <ds:schemaRefs>
+    <ds:schemaRef ds:uri="http://schemas.microsoft.com/sharepoint/v3/contenttype/forms"/>
+  </ds:schemaRefs>
+</ds:datastoreItem>
+</file>
+
+<file path=customXml/itemProps2.xml><?xml version="1.0" encoding="utf-8"?>
 <ds:datastoreItem xmlns:ds="http://schemas.openxmlformats.org/officeDocument/2006/customXml" ds:itemID="{7217DFBD-4751-428F-B38C-3EB5F02CAA3A}">
   <ds:schemaRefs>
     <ds:schemaRef ds:uri="http://schemas.microsoft.com/office/2006/metadata/contentType"/>
@@ -5120,14 +4948,6 @@
     <ds:schemaRef ds:uri="http://purl.org/dc/elements/1.1/"/>
     <ds:schemaRef ds:uri="http://purl.org/dc/terms/"/>
     <ds:schemaRef ds:uri="http://schemas.microsoft.com/internal/obd"/>
-  </ds:schemaRefs>
-</ds:datastoreItem>
-</file>
-
-<file path=customXml/itemProps2.xml><?xml version="1.0" encoding="utf-8"?>
-<ds:datastoreItem xmlns:ds="http://schemas.openxmlformats.org/officeDocument/2006/customXml" ds:itemID="{285C8949-12A8-4D3A-8B80-D82110DA804F}">
-  <ds:schemaRefs>
-    <ds:schemaRef ds:uri="http://schemas.microsoft.com/sharepoint/v3/contenttype/forms"/>
   </ds:schemaRefs>
 </ds:datastoreItem>
 </file>
